--- a/PPT_ACMMM22_Multi_Level_Region_Matching_for_Fine_Grained_Sketch_Based_Image_Retrieval.pptx
+++ b/PPT_ACMMM22_Multi_Level_Region_Matching_for_Fine_Grained_Sketch_Based_Image_Retrieval.pptx
@@ -5461,7 +5461,7 @@
         </p:nvSpPr>
         <p:spPr>
           <a:xfrm>
-            <a:off x="4242435" y="3152775"/>
+            <a:off x="4128770" y="3152775"/>
             <a:ext cx="1572895" cy="368300"/>
           </a:xfrm>
           <a:prstGeom prst="rect">
@@ -5506,7 +5506,7 @@
         </p:blipFill>
         <p:spPr>
           <a:xfrm>
-            <a:off x="8195310" y="1253490"/>
+            <a:off x="8208010" y="1266190"/>
             <a:ext cx="1800000" cy="1800000"/>
           </a:xfrm>
           <a:prstGeom prst="rect">
@@ -5530,7 +5530,7 @@
         </p:blipFill>
         <p:spPr>
           <a:xfrm>
-            <a:off x="6929120" y="4655820"/>
+            <a:off x="6931660" y="4655820"/>
             <a:ext cx="1440000" cy="1440000"/>
           </a:xfrm>
           <a:prstGeom prst="rect">
@@ -5642,7 +5642,7 @@
         </p:nvSpPr>
         <p:spPr>
           <a:xfrm>
-            <a:off x="6932295" y="3881755"/>
+            <a:off x="6907530" y="4057015"/>
             <a:ext cx="1388745" cy="368300"/>
           </a:xfrm>
           <a:prstGeom prst="rect">
@@ -5818,8 +5818,8 @@
         </p:nvSpPr>
         <p:spPr>
           <a:xfrm>
-            <a:off x="296545" y="848360"/>
-            <a:ext cx="5545455" cy="368300"/>
+            <a:off x="80645" y="848360"/>
+            <a:ext cx="5761355" cy="368300"/>
           </a:xfrm>
           <a:prstGeom prst="rect">
             <a:avLst/>
@@ -6056,7 +6056,7 @@
         </p:nvSpPr>
         <p:spPr>
           <a:xfrm>
-            <a:off x="548005" y="1932305"/>
+            <a:off x="437515" y="1912620"/>
             <a:ext cx="1805940" cy="368300"/>
           </a:xfrm>
           <a:prstGeom prst="rect">
@@ -6107,7 +6107,7 @@
         </p:nvSpPr>
         <p:spPr>
           <a:xfrm>
-            <a:off x="6932295" y="1969135"/>
+            <a:off x="6724650" y="1969135"/>
             <a:ext cx="1805940" cy="368300"/>
           </a:xfrm>
           <a:prstGeom prst="rect">
@@ -7615,8 +7615,8 @@
         </p:blipFill>
         <p:spPr>
           <a:xfrm>
-            <a:off x="1034415" y="805180"/>
-            <a:ext cx="9782810" cy="4408170"/>
+            <a:off x="1462405" y="830580"/>
+            <a:ext cx="9267825" cy="4176395"/>
           </a:xfrm>
           <a:prstGeom prst="rect">
             <a:avLst/>
@@ -7631,7 +7631,7 @@
         </p:nvSpPr>
         <p:spPr>
           <a:xfrm>
-            <a:off x="2095500" y="5104765"/>
+            <a:off x="2095500" y="4978400"/>
             <a:ext cx="8863330" cy="1753235"/>
           </a:xfrm>
           <a:prstGeom prst="rect">
@@ -7710,15 +7710,7 @@
                 <a:cs typeface="Times New Roman" panose="02020603050405020304" charset="0"/>
                 <a:sym typeface="+mn-ea"/>
               </a:rPr>
-              <a:t>Triplet loss 1 </a:t>
-            </a:r>
-            <a:r>
-              <a:rPr lang="en-US">
-                <a:latin typeface="Times New Roman" panose="02020603050405020304" charset="0"/>
-                <a:cs typeface="Times New Roman" panose="02020603050405020304" charset="0"/>
-                <a:sym typeface="+mn-ea"/>
-              </a:rPr>
-              <a:t>targets at semantic correspondence between paired regions</a:t>
+              <a:t>Triplet loss 1:                 targets at semantic correspondence between paired regions</a:t>
             </a:r>
             <a:r>
               <a:rPr lang="en-US">
@@ -7741,7 +7733,7 @@
                 <a:cs typeface="Times New Roman" panose="02020603050405020304" charset="0"/>
                 <a:sym typeface="+mn-ea"/>
               </a:rPr>
-              <a:t>Triplet loss 2 </a:t>
+              <a:t>Triplet loss 2:                 </a:t>
             </a:r>
             <a:r>
               <a:rPr lang="en-US">
@@ -7772,7 +7764,7 @@
                 <a:cs typeface="Times New Roman" panose="02020603050405020304" charset="0"/>
                 <a:sym typeface="+mn-ea"/>
               </a:rPr>
-              <a:t>Triplet loss 3 targets at semantic distinctiveness across unpaired regions. </a:t>
+              <a:t>Triplet loss 3:                 targets at semantic distinctiveness across unpaired regions. </a:t>
             </a:r>
             <a:endParaRPr lang="en-US">
               <a:latin typeface="Times New Roman" panose="02020603050405020304" charset="0"/>
@@ -7787,7 +7779,7 @@
                 <a:cs typeface="Times New Roman" panose="02020603050405020304" charset="0"/>
                 <a:sym typeface="+mn-ea"/>
               </a:rPr>
-              <a:t>Triplet loss 4 targets at hard negative samples. </a:t>
+              <a:t>Triplet loss 4:                 targets at hard negative samples. </a:t>
             </a:r>
             <a:r>
               <a:rPr lang="en-US">
@@ -7801,6 +7793,102 @@
           </a:p>
         </p:txBody>
       </p:sp>
+      <p:pic>
+        <p:nvPicPr>
+          <p:cNvPr id="2" name="图片 1"/>
+          <p:cNvPicPr>
+            <a:picLocks noChangeAspect="1"/>
+          </p:cNvPicPr>
+          <p:nvPr/>
+        </p:nvPicPr>
+        <p:blipFill>
+          <a:blip r:embed="rId2"/>
+          <a:stretch>
+            <a:fillRect/>
+          </a:stretch>
+        </p:blipFill>
+        <p:spPr>
+          <a:xfrm>
+            <a:off x="3507105" y="5591175"/>
+            <a:ext cx="855980" cy="271145"/>
+          </a:xfrm>
+          <a:prstGeom prst="rect">
+            <a:avLst/>
+          </a:prstGeom>
+        </p:spPr>
+      </p:pic>
+      <p:pic>
+        <p:nvPicPr>
+          <p:cNvPr id="4" name="图片 3"/>
+          <p:cNvPicPr>
+            <a:picLocks noChangeAspect="1"/>
+          </p:cNvPicPr>
+          <p:nvPr/>
+        </p:nvPicPr>
+        <p:blipFill>
+          <a:blip r:embed="rId3"/>
+          <a:stretch>
+            <a:fillRect/>
+          </a:stretch>
+        </p:blipFill>
+        <p:spPr>
+          <a:xfrm>
+            <a:off x="3507105" y="5862320"/>
+            <a:ext cx="856615" cy="278130"/>
+          </a:xfrm>
+          <a:prstGeom prst="rect">
+            <a:avLst/>
+          </a:prstGeom>
+        </p:spPr>
+      </p:pic>
+      <p:pic>
+        <p:nvPicPr>
+          <p:cNvPr id="6" name="图片 5"/>
+          <p:cNvPicPr>
+            <a:picLocks noChangeAspect="1"/>
+          </p:cNvPicPr>
+          <p:nvPr/>
+        </p:nvPicPr>
+        <p:blipFill>
+          <a:blip r:embed="rId4"/>
+          <a:stretch>
+            <a:fillRect/>
+          </a:stretch>
+        </p:blipFill>
+        <p:spPr>
+          <a:xfrm>
+            <a:off x="3506470" y="6140450"/>
+            <a:ext cx="856615" cy="306070"/>
+          </a:xfrm>
+          <a:prstGeom prst="rect">
+            <a:avLst/>
+          </a:prstGeom>
+        </p:spPr>
+      </p:pic>
+      <p:pic>
+        <p:nvPicPr>
+          <p:cNvPr id="7" name="图片 6"/>
+          <p:cNvPicPr>
+            <a:picLocks noChangeAspect="1"/>
+          </p:cNvPicPr>
+          <p:nvPr/>
+        </p:nvPicPr>
+        <p:blipFill>
+          <a:blip r:embed="rId5"/>
+          <a:stretch>
+            <a:fillRect/>
+          </a:stretch>
+        </p:blipFill>
+        <p:spPr>
+          <a:xfrm>
+            <a:off x="3506470" y="6446520"/>
+            <a:ext cx="855345" cy="285115"/>
+          </a:xfrm>
+          <a:prstGeom prst="rect">
+            <a:avLst/>
+          </a:prstGeom>
+        </p:spPr>
+      </p:pic>
     </p:spTree>
   </p:cSld>
   <p:clrMapOvr>
@@ -7913,7 +8001,7 @@
         </p:blipFill>
         <p:spPr>
           <a:xfrm>
-            <a:off x="438150" y="936625"/>
+            <a:off x="617855" y="996950"/>
             <a:ext cx="5431790" cy="3134995"/>
           </a:xfrm>
           <a:prstGeom prst="rect">
@@ -8104,7 +8192,7 @@
         </p:blipFill>
         <p:spPr>
           <a:xfrm>
-            <a:off x="6833870" y="826135"/>
+            <a:off x="6846570" y="826135"/>
             <a:ext cx="3894455" cy="3213100"/>
           </a:xfrm>
           <a:prstGeom prst="rect">
